--- a/以太坊教程/课件/3_1_以太坊客户端.pptx
+++ b/以太坊教程/课件/3_1_以太坊客户端.pptx
@@ -204,7 +204,7 @@
           <a:p>
             <a:fld id="{31A2A103-01E9-406E-AEF1-210DF53BAA37}" type="datetimeFigureOut">
               <a:rPr lang="zh-CN" altLang="en-US" smtClean="0"/>
-              <a:t>2018/10/23</a:t>
+              <a:t>2018/11/28</a:t>
             </a:fld>
             <a:endParaRPr lang="zh-CN" altLang="en-US"/>
           </a:p>
@@ -1762,7 +1762,7 @@
           <a:p>
             <a:fld id="{530820CF-B880-4189-942D-D702A7CBA730}" type="datetimeFigureOut">
               <a:rPr lang="zh-CN" altLang="en-US" smtClean="0"/>
-              <a:t>2018/10/23</a:t>
+              <a:t>2018/11/28</a:t>
             </a:fld>
             <a:endParaRPr lang="zh-CN" altLang="en-US"/>
           </a:p>
@@ -1927,7 +1927,7 @@
           <a:p>
             <a:fld id="{530820CF-B880-4189-942D-D702A7CBA730}" type="datetimeFigureOut">
               <a:rPr lang="zh-CN" altLang="en-US" smtClean="0"/>
-              <a:t>2018/10/23</a:t>
+              <a:t>2018/11/28</a:t>
             </a:fld>
             <a:endParaRPr lang="zh-CN" altLang="en-US"/>
           </a:p>
@@ -2102,7 +2102,7 @@
           <a:p>
             <a:fld id="{530820CF-B880-4189-942D-D702A7CBA730}" type="datetimeFigureOut">
               <a:rPr lang="zh-CN" altLang="en-US" smtClean="0"/>
-              <a:t>2018/10/23</a:t>
+              <a:t>2018/11/28</a:t>
             </a:fld>
             <a:endParaRPr lang="zh-CN" altLang="en-US"/>
           </a:p>
@@ -2267,7 +2267,7 @@
           <a:p>
             <a:fld id="{530820CF-B880-4189-942D-D702A7CBA730}" type="datetimeFigureOut">
               <a:rPr lang="zh-CN" altLang="en-US" smtClean="0"/>
-              <a:t>2018/10/23</a:t>
+              <a:t>2018/11/28</a:t>
             </a:fld>
             <a:endParaRPr lang="zh-CN" altLang="en-US"/>
           </a:p>
@@ -2508,7 +2508,7 @@
           <a:p>
             <a:fld id="{530820CF-B880-4189-942D-D702A7CBA730}" type="datetimeFigureOut">
               <a:rPr lang="zh-CN" altLang="en-US" smtClean="0"/>
-              <a:t>2018/10/23</a:t>
+              <a:t>2018/11/28</a:t>
             </a:fld>
             <a:endParaRPr lang="zh-CN" altLang="en-US"/>
           </a:p>
@@ -2791,7 +2791,7 @@
           <a:p>
             <a:fld id="{530820CF-B880-4189-942D-D702A7CBA730}" type="datetimeFigureOut">
               <a:rPr lang="zh-CN" altLang="en-US" smtClean="0"/>
-              <a:t>2018/10/23</a:t>
+              <a:t>2018/11/28</a:t>
             </a:fld>
             <a:endParaRPr lang="zh-CN" altLang="en-US"/>
           </a:p>
@@ -3208,7 +3208,7 @@
           <a:p>
             <a:fld id="{530820CF-B880-4189-942D-D702A7CBA730}" type="datetimeFigureOut">
               <a:rPr lang="zh-CN" altLang="en-US" smtClean="0"/>
-              <a:t>2018/10/23</a:t>
+              <a:t>2018/11/28</a:t>
             </a:fld>
             <a:endParaRPr lang="zh-CN" altLang="en-US"/>
           </a:p>
@@ -3321,7 +3321,7 @@
           <a:p>
             <a:fld id="{530820CF-B880-4189-942D-D702A7CBA730}" type="datetimeFigureOut">
               <a:rPr lang="zh-CN" altLang="en-US" smtClean="0"/>
-              <a:t>2018/10/23</a:t>
+              <a:t>2018/11/28</a:t>
             </a:fld>
             <a:endParaRPr lang="zh-CN" altLang="en-US"/>
           </a:p>
@@ -3411,7 +3411,7 @@
           <a:p>
             <a:fld id="{530820CF-B880-4189-942D-D702A7CBA730}" type="datetimeFigureOut">
               <a:rPr lang="zh-CN" altLang="en-US" smtClean="0"/>
-              <a:t>2018/10/23</a:t>
+              <a:t>2018/11/28</a:t>
             </a:fld>
             <a:endParaRPr lang="zh-CN" altLang="en-US"/>
           </a:p>
@@ -3683,7 +3683,7 @@
           <a:p>
             <a:fld id="{530820CF-B880-4189-942D-D702A7CBA730}" type="datetimeFigureOut">
               <a:rPr lang="zh-CN" altLang="en-US" smtClean="0"/>
-              <a:t>2018/10/23</a:t>
+              <a:t>2018/11/28</a:t>
             </a:fld>
             <a:endParaRPr lang="zh-CN" altLang="en-US"/>
           </a:p>
@@ -3931,7 +3931,7 @@
           <a:p>
             <a:fld id="{530820CF-B880-4189-942D-D702A7CBA730}" type="datetimeFigureOut">
               <a:rPr lang="zh-CN" altLang="en-US" smtClean="0"/>
-              <a:t>2018/10/23</a:t>
+              <a:t>2018/11/28</a:t>
             </a:fld>
             <a:endParaRPr lang="zh-CN" altLang="en-US"/>
           </a:p>
@@ -3991,9 +3991,18 @@
 <p:sldMaster xmlns:a="http://schemas.openxmlformats.org/drawingml/2006/main" xmlns:r="http://schemas.openxmlformats.org/officeDocument/2006/relationships" xmlns:p="http://schemas.openxmlformats.org/presentationml/2006/main">
   <p:cSld>
     <p:bg>
-      <p:bgRef idx="1001">
-        <a:schemeClr val="bg1"/>
-      </p:bgRef>
+      <p:bgPr>
+        <a:blipFill dpi="0" rotWithShape="1">
+          <a:blip r:embed="rId13">
+            <a:lum/>
+          </a:blip>
+          <a:srcRect/>
+          <a:stretch>
+            <a:fillRect/>
+          </a:stretch>
+        </a:blipFill>
+        <a:effectLst/>
+      </p:bgPr>
     </p:bg>
     <p:spTree>
       <p:nvGrpSpPr>
@@ -4139,7 +4148,7 @@
           <a:p>
             <a:fld id="{530820CF-B880-4189-942D-D702A7CBA730}" type="datetimeFigureOut">
               <a:rPr lang="zh-CN" altLang="en-US" smtClean="0"/>
-              <a:t>2018/10/23</a:t>
+              <a:t>2018/11/28</a:t>
             </a:fld>
             <a:endParaRPr lang="zh-CN" altLang="en-US"/>
           </a:p>
@@ -4632,7 +4641,12 @@
             <p:ph type="title"/>
           </p:nvPr>
         </p:nvSpPr>
-        <p:spPr/>
+        <p:spPr>
+          <a:xfrm>
+            <a:off x="457200" y="485800"/>
+            <a:ext cx="8229600" cy="1143000"/>
+          </a:xfrm>
+        </p:spPr>
         <p:txBody>
           <a:bodyPr>
             <a:normAutofit/>
@@ -4641,13 +4655,13 @@
           <a:p>
             <a:pPr indent="457200" algn="l"/>
             <a:r>
-              <a:rPr lang="zh-CN" altLang="en-US" dirty="0" smtClean="0">
+              <a:rPr lang="zh-CN" altLang="en-US" sz="3600" dirty="0" smtClean="0">
                 <a:latin typeface="微软雅黑 Light" pitchFamily="34" charset="-122"/>
                 <a:ea typeface="微软雅黑 Light" pitchFamily="34" charset="-122"/>
               </a:rPr>
               <a:t>运行全节点的要求</a:t>
             </a:r>
-            <a:endParaRPr lang="zh-CN" altLang="en-US" dirty="0">
+            <a:endParaRPr lang="zh-CN" altLang="en-US" sz="3600" dirty="0">
               <a:latin typeface="微软雅黑 Light" pitchFamily="34" charset="-122"/>
               <a:ea typeface="微软雅黑 Light" pitchFamily="34" charset="-122"/>
             </a:endParaRPr>
@@ -4954,7 +4968,12 @@
             <p:ph type="title"/>
           </p:nvPr>
         </p:nvSpPr>
-        <p:spPr/>
+        <p:spPr>
+          <a:xfrm>
+            <a:off x="457200" y="485800"/>
+            <a:ext cx="8229600" cy="1143000"/>
+          </a:xfrm>
+        </p:spPr>
         <p:txBody>
           <a:bodyPr>
             <a:normAutofit/>
@@ -4963,34 +4982,34 @@
           <a:p>
             <a:pPr indent="457200" algn="l"/>
             <a:r>
-              <a:rPr lang="en-US" altLang="zh-CN" dirty="0" err="1" smtClean="0">
+              <a:rPr lang="en-US" altLang="zh-CN" sz="3600" dirty="0" err="1" smtClean="0">
                 <a:latin typeface="微软雅黑 Light" pitchFamily="34" charset="-122"/>
                 <a:ea typeface="微软雅黑 Light" pitchFamily="34" charset="-122"/>
               </a:rPr>
               <a:t>Geth</a:t>
             </a:r>
             <a:r>
-              <a:rPr lang="en-US" altLang="zh-CN" dirty="0" smtClean="0">
+              <a:rPr lang="en-US" altLang="zh-CN" sz="3600" dirty="0" smtClean="0">
                 <a:latin typeface="微软雅黑 Light" pitchFamily="34" charset="-122"/>
                 <a:ea typeface="微软雅黑 Light" pitchFamily="34" charset="-122"/>
               </a:rPr>
               <a:t> ( Go-</a:t>
             </a:r>
             <a:r>
-              <a:rPr lang="en-US" altLang="zh-CN" dirty="0" err="1" smtClean="0">
+              <a:rPr lang="en-US" altLang="zh-CN" sz="3600" dirty="0" err="1" smtClean="0">
                 <a:latin typeface="微软雅黑 Light" pitchFamily="34" charset="-122"/>
                 <a:ea typeface="微软雅黑 Light" pitchFamily="34" charset="-122"/>
               </a:rPr>
               <a:t>Ethereum</a:t>
             </a:r>
             <a:r>
-              <a:rPr lang="en-US" altLang="zh-CN" dirty="0" smtClean="0">
+              <a:rPr lang="en-US" altLang="zh-CN" sz="3600" dirty="0" smtClean="0">
                 <a:latin typeface="微软雅黑 Light" pitchFamily="34" charset="-122"/>
                 <a:ea typeface="微软雅黑 Light" pitchFamily="34" charset="-122"/>
               </a:rPr>
               <a:t> )</a:t>
             </a:r>
-            <a:endParaRPr lang="zh-CN" altLang="en-US" dirty="0">
+            <a:endParaRPr lang="zh-CN" altLang="en-US" sz="3600" dirty="0">
               <a:latin typeface="微软雅黑 Light" pitchFamily="34" charset="-122"/>
               <a:ea typeface="微软雅黑 Light" pitchFamily="34" charset="-122"/>
             </a:endParaRPr>
@@ -5196,7 +5215,12 @@
             <p:ph type="title"/>
           </p:nvPr>
         </p:nvSpPr>
-        <p:spPr/>
+        <p:spPr>
+          <a:xfrm>
+            <a:off x="457200" y="485800"/>
+            <a:ext cx="8229600" cy="1143000"/>
+          </a:xfrm>
+        </p:spPr>
         <p:txBody>
           <a:bodyPr>
             <a:normAutofit/>
@@ -5205,13 +5229,13 @@
           <a:p>
             <a:pPr indent="457200" algn="l"/>
             <a:r>
-              <a:rPr lang="en-US" altLang="zh-CN" dirty="0" smtClean="0">
+              <a:rPr lang="en-US" altLang="zh-CN" sz="3600" dirty="0" smtClean="0">
                 <a:latin typeface="微软雅黑 Light" pitchFamily="34" charset="-122"/>
                 <a:ea typeface="微软雅黑 Light" pitchFamily="34" charset="-122"/>
               </a:rPr>
               <a:t>JSON-RPC</a:t>
             </a:r>
-            <a:endParaRPr lang="zh-CN" altLang="en-US" dirty="0">
+            <a:endParaRPr lang="zh-CN" altLang="en-US" sz="3600" dirty="0">
               <a:latin typeface="微软雅黑 Light" pitchFamily="34" charset="-122"/>
               <a:ea typeface="微软雅黑 Light" pitchFamily="34" charset="-122"/>
             </a:endParaRPr>
@@ -5683,20 +5707,27 @@
             <p:ph type="title"/>
           </p:nvPr>
         </p:nvSpPr>
-        <p:spPr/>
-        <p:txBody>
-          <a:bodyPr/>
+        <p:spPr>
+          <a:xfrm>
+            <a:off x="457200" y="476672"/>
+            <a:ext cx="8229600" cy="1143000"/>
+          </a:xfrm>
+        </p:spPr>
+        <p:txBody>
+          <a:bodyPr>
+            <a:normAutofit/>
+          </a:bodyPr>
           <a:lstStyle/>
           <a:p>
             <a:pPr indent="457200" algn="l"/>
             <a:r>
-              <a:rPr lang="zh-CN" altLang="en-US" dirty="0" smtClean="0">
+              <a:rPr lang="zh-CN" altLang="en-US" sz="3600" dirty="0" smtClean="0">
                 <a:latin typeface="微软雅黑 Light" pitchFamily="34" charset="-122"/>
                 <a:ea typeface="微软雅黑 Light" pitchFamily="34" charset="-122"/>
               </a:rPr>
               <a:t>什么是以太坊客户端</a:t>
             </a:r>
-            <a:endParaRPr lang="zh-CN" altLang="en-US" dirty="0">
+            <a:endParaRPr lang="zh-CN" altLang="en-US" sz="3600" dirty="0">
               <a:latin typeface="微软雅黑 Light" pitchFamily="34" charset="-122"/>
               <a:ea typeface="微软雅黑 Light" pitchFamily="34" charset="-122"/>
             </a:endParaRPr>
@@ -5885,7 +5916,12 @@
             <p:ph type="title"/>
           </p:nvPr>
         </p:nvSpPr>
-        <p:spPr/>
+        <p:spPr>
+          <a:xfrm>
+            <a:off x="457200" y="485800"/>
+            <a:ext cx="8229600" cy="1143000"/>
+          </a:xfrm>
+        </p:spPr>
         <p:txBody>
           <a:bodyPr>
             <a:normAutofit/>
@@ -5894,13 +5930,13 @@
           <a:p>
             <a:pPr indent="457200" algn="l"/>
             <a:r>
-              <a:rPr lang="zh-CN" altLang="en-US" dirty="0" smtClean="0">
+              <a:rPr lang="zh-CN" altLang="en-US" sz="3600" dirty="0" smtClean="0">
                 <a:latin typeface="微软雅黑 Light" pitchFamily="34" charset="-122"/>
                 <a:ea typeface="微软雅黑 Light" pitchFamily="34" charset="-122"/>
               </a:rPr>
               <a:t>基于以太坊规范的网络</a:t>
             </a:r>
-            <a:endParaRPr lang="zh-CN" altLang="en-US" dirty="0">
+            <a:endParaRPr lang="zh-CN" altLang="en-US" sz="3600" dirty="0">
               <a:latin typeface="微软雅黑 Light" pitchFamily="34" charset="-122"/>
               <a:ea typeface="微软雅黑 Light" pitchFamily="34" charset="-122"/>
             </a:endParaRPr>
@@ -6057,7 +6093,12 @@
             <p:ph type="title"/>
           </p:nvPr>
         </p:nvSpPr>
-        <p:spPr/>
+        <p:spPr>
+          <a:xfrm>
+            <a:off x="457200" y="404664"/>
+            <a:ext cx="8229600" cy="1143000"/>
+          </a:xfrm>
+        </p:spPr>
         <p:txBody>
           <a:bodyPr>
             <a:normAutofit/>
@@ -6066,13 +6107,13 @@
           <a:p>
             <a:pPr indent="457200" algn="l"/>
             <a:r>
-              <a:rPr lang="zh-CN" altLang="en-US" dirty="0" smtClean="0">
+              <a:rPr lang="zh-CN" altLang="en-US" sz="3600" dirty="0" smtClean="0">
                 <a:latin typeface="微软雅黑 Light" pitchFamily="34" charset="-122"/>
                 <a:ea typeface="微软雅黑 Light" pitchFamily="34" charset="-122"/>
               </a:rPr>
               <a:t>以太坊的多种客户端</a:t>
             </a:r>
-            <a:endParaRPr lang="zh-CN" altLang="en-US" dirty="0">
+            <a:endParaRPr lang="zh-CN" altLang="en-US" sz="3600" dirty="0">
               <a:latin typeface="微软雅黑 Light" pitchFamily="34" charset="-122"/>
               <a:ea typeface="微软雅黑 Light" pitchFamily="34" charset="-122"/>
             </a:endParaRPr>
@@ -6091,7 +6132,7 @@
         </p:nvSpPr>
         <p:spPr>
           <a:xfrm>
-            <a:off x="755576" y="1340768"/>
+            <a:off x="755576" y="1196752"/>
             <a:ext cx="7920880" cy="5256584"/>
           </a:xfrm>
         </p:spPr>
@@ -6393,7 +6434,12 @@
             <p:ph type="title"/>
           </p:nvPr>
         </p:nvSpPr>
-        <p:spPr/>
+        <p:spPr>
+          <a:xfrm>
+            <a:off x="457200" y="485800"/>
+            <a:ext cx="8229600" cy="1143000"/>
+          </a:xfrm>
+        </p:spPr>
         <p:txBody>
           <a:bodyPr>
             <a:normAutofit/>
@@ -6402,20 +6448,20 @@
           <a:p>
             <a:pPr indent="457200" algn="l"/>
             <a:r>
-              <a:rPr lang="zh-CN" altLang="en-US" dirty="0">
+              <a:rPr lang="zh-CN" altLang="en-US" sz="3600" dirty="0">
                 <a:latin typeface="微软雅黑 Light" pitchFamily="34" charset="-122"/>
                 <a:ea typeface="微软雅黑 Light" pitchFamily="34" charset="-122"/>
               </a:rPr>
               <a:t>以太</a:t>
             </a:r>
             <a:r>
-              <a:rPr lang="zh-CN" altLang="en-US" dirty="0" smtClean="0">
+              <a:rPr lang="zh-CN" altLang="en-US" sz="3600" dirty="0" smtClean="0">
                 <a:latin typeface="微软雅黑 Light" pitchFamily="34" charset="-122"/>
                 <a:ea typeface="微软雅黑 Light" pitchFamily="34" charset="-122"/>
               </a:rPr>
               <a:t>坊全节点</a:t>
             </a:r>
-            <a:endParaRPr lang="zh-CN" altLang="en-US" dirty="0">
+            <a:endParaRPr lang="zh-CN" altLang="en-US" sz="3600" dirty="0">
               <a:latin typeface="微软雅黑 Light" pitchFamily="34" charset="-122"/>
               <a:ea typeface="微软雅黑 Light" pitchFamily="34" charset="-122"/>
             </a:endParaRPr>
@@ -6541,7 +6587,12 @@
             <p:ph type="title"/>
           </p:nvPr>
         </p:nvSpPr>
-        <p:spPr/>
+        <p:spPr>
+          <a:xfrm>
+            <a:off x="457200" y="485800"/>
+            <a:ext cx="8229600" cy="1143000"/>
+          </a:xfrm>
+        </p:spPr>
         <p:txBody>
           <a:bodyPr>
             <a:normAutofit/>
@@ -6550,13 +6601,13 @@
           <a:p>
             <a:pPr indent="457200" algn="l"/>
             <a:r>
-              <a:rPr lang="zh-CN" altLang="en-US" dirty="0" smtClean="0">
+              <a:rPr lang="zh-CN" altLang="en-US" sz="3600" dirty="0" smtClean="0">
                 <a:latin typeface="微软雅黑 Light" pitchFamily="34" charset="-122"/>
                 <a:ea typeface="微软雅黑 Light" pitchFamily="34" charset="-122"/>
               </a:rPr>
               <a:t>远程客户端和轻节点</a:t>
             </a:r>
-            <a:endParaRPr lang="zh-CN" altLang="en-US" dirty="0">
+            <a:endParaRPr lang="zh-CN" altLang="en-US" sz="3600" dirty="0">
               <a:latin typeface="微软雅黑 Light" pitchFamily="34" charset="-122"/>
               <a:ea typeface="微软雅黑 Light" pitchFamily="34" charset="-122"/>
             </a:endParaRPr>
@@ -6730,7 +6781,12 @@
             <p:ph type="title"/>
           </p:nvPr>
         </p:nvSpPr>
-        <p:spPr/>
+        <p:spPr>
+          <a:xfrm>
+            <a:off x="457200" y="485800"/>
+            <a:ext cx="8229600" cy="1143000"/>
+          </a:xfrm>
+        </p:spPr>
         <p:txBody>
           <a:bodyPr>
             <a:normAutofit/>
@@ -6739,13 +6795,13 @@
           <a:p>
             <a:pPr indent="457200" algn="l"/>
             <a:r>
-              <a:rPr lang="zh-CN" altLang="en-US" dirty="0" smtClean="0">
+              <a:rPr lang="zh-CN" altLang="en-US" sz="3600" dirty="0" smtClean="0">
                 <a:latin typeface="微软雅黑 Light" pitchFamily="34" charset="-122"/>
                 <a:ea typeface="微软雅黑 Light" pitchFamily="34" charset="-122"/>
               </a:rPr>
               <a:t>全节点的优缺点</a:t>
             </a:r>
-            <a:endParaRPr lang="zh-CN" altLang="en-US" dirty="0">
+            <a:endParaRPr lang="zh-CN" altLang="en-US" sz="3600" dirty="0">
               <a:latin typeface="微软雅黑 Light" pitchFamily="34" charset="-122"/>
               <a:ea typeface="微软雅黑 Light" pitchFamily="34" charset="-122"/>
             </a:endParaRPr>
@@ -7026,7 +7082,12 @@
             <p:ph type="title"/>
           </p:nvPr>
         </p:nvSpPr>
-        <p:spPr/>
+        <p:spPr>
+          <a:xfrm>
+            <a:off x="457200" y="413792"/>
+            <a:ext cx="8229600" cy="1143000"/>
+          </a:xfrm>
+        </p:spPr>
         <p:txBody>
           <a:bodyPr>
             <a:normAutofit/>
@@ -7035,13 +7096,13 @@
           <a:p>
             <a:pPr indent="457200" algn="l"/>
             <a:r>
-              <a:rPr lang="zh-CN" altLang="en-US" dirty="0" smtClean="0">
+              <a:rPr lang="zh-CN" altLang="en-US" sz="3600" dirty="0" smtClean="0">
                 <a:latin typeface="微软雅黑 Light" pitchFamily="34" charset="-122"/>
                 <a:ea typeface="微软雅黑 Light" pitchFamily="34" charset="-122"/>
               </a:rPr>
               <a:t>公共测试网络节点的优缺点</a:t>
             </a:r>
-            <a:endParaRPr lang="zh-CN" altLang="en-US" dirty="0">
+            <a:endParaRPr lang="zh-CN" altLang="en-US" sz="3600" dirty="0">
               <a:latin typeface="微软雅黑 Light" pitchFamily="34" charset="-122"/>
               <a:ea typeface="微软雅黑 Light" pitchFamily="34" charset="-122"/>
             </a:endParaRPr>
@@ -7060,8 +7121,8 @@
         </p:nvSpPr>
         <p:spPr>
           <a:xfrm>
-            <a:off x="755576" y="1340768"/>
-            <a:ext cx="8208912" cy="5517232"/>
+            <a:off x="755576" y="1440160"/>
+            <a:ext cx="8208912" cy="4797152"/>
           </a:xfrm>
         </p:spPr>
         <p:txBody>
@@ -7074,6 +7135,12 @@
               <a:lnSpc>
                 <a:spcPct val="120000"/>
               </a:lnSpc>
+              <a:spcBef>
+                <a:spcPts val="600"/>
+              </a:spcBef>
+              <a:spcAft>
+                <a:spcPts val="600"/>
+              </a:spcAft>
               <a:buNone/>
             </a:pPr>
             <a:r>
@@ -7089,42 +7156,42 @@
               </a:lnSpc>
             </a:pPr>
             <a:r>
-              <a:rPr lang="zh-CN" altLang="en-US" sz="2000" dirty="0"/>
+              <a:rPr lang="zh-CN" altLang="en-US" sz="1800" dirty="0"/>
               <a:t>一</a:t>
             </a:r>
             <a:r>
-              <a:rPr lang="zh-CN" altLang="en-US" sz="2000" dirty="0" smtClean="0"/>
+              <a:rPr lang="zh-CN" altLang="en-US" sz="1800" dirty="0" smtClean="0"/>
               <a:t>个 </a:t>
             </a:r>
             <a:r>
-              <a:rPr lang="en-US" altLang="zh-CN" sz="2000" dirty="0" err="1" smtClean="0"/>
+              <a:rPr lang="en-US" altLang="zh-CN" sz="1800" dirty="0" err="1" smtClean="0"/>
               <a:t>testnet</a:t>
             </a:r>
             <a:r>
-              <a:rPr lang="en-US" altLang="zh-CN" sz="2000" dirty="0" smtClean="0"/>
+              <a:rPr lang="en-US" altLang="zh-CN" sz="1800" dirty="0" smtClean="0"/>
               <a:t> </a:t>
             </a:r>
             <a:r>
-              <a:rPr lang="zh-CN" altLang="en-US" sz="2000" dirty="0" smtClean="0"/>
+              <a:rPr lang="zh-CN" altLang="en-US" sz="1800" dirty="0" smtClean="0"/>
               <a:t>节点</a:t>
             </a:r>
             <a:r>
-              <a:rPr lang="zh-CN" altLang="en-US" sz="2000" dirty="0"/>
+              <a:rPr lang="zh-CN" altLang="en-US" sz="1800" dirty="0"/>
               <a:t>需要同步和存储更少的数据，大约</a:t>
             </a:r>
             <a:r>
-              <a:rPr lang="en-US" altLang="zh-CN" sz="2000" dirty="0"/>
+              <a:rPr lang="en-US" altLang="zh-CN" sz="1800" dirty="0"/>
               <a:t>10GB</a:t>
             </a:r>
             <a:r>
-              <a:rPr lang="zh-CN" altLang="en-US" sz="2000" dirty="0"/>
+              <a:rPr lang="zh-CN" altLang="en-US" sz="1800" dirty="0"/>
               <a:t>，具体</a:t>
             </a:r>
             <a:r>
-              <a:rPr lang="zh-CN" altLang="en-US" sz="2000" dirty="0" smtClean="0"/>
+              <a:rPr lang="zh-CN" altLang="en-US" sz="1800" dirty="0" smtClean="0"/>
               <a:t>取决于不同的网络。</a:t>
             </a:r>
-            <a:endParaRPr lang="zh-CN" altLang="en-US" sz="2000" dirty="0"/>
+            <a:endParaRPr lang="zh-CN" altLang="en-US" sz="1800" dirty="0"/>
           </a:p>
           <a:p>
             <a:pPr>
@@ -7133,27 +7200,27 @@
               </a:lnSpc>
             </a:pPr>
             <a:r>
-              <a:rPr lang="zh-CN" altLang="en-US" sz="2000" dirty="0"/>
+              <a:rPr lang="zh-CN" altLang="en-US" sz="1800" dirty="0"/>
               <a:t>一</a:t>
             </a:r>
             <a:r>
-              <a:rPr lang="zh-CN" altLang="en-US" sz="2000" dirty="0" smtClean="0"/>
+              <a:rPr lang="zh-CN" altLang="en-US" sz="1800" dirty="0" smtClean="0"/>
               <a:t>个 </a:t>
             </a:r>
             <a:r>
-              <a:rPr lang="en-US" altLang="zh-CN" sz="2000" dirty="0" err="1" smtClean="0"/>
+              <a:rPr lang="en-US" altLang="zh-CN" sz="1800" dirty="0" err="1" smtClean="0"/>
               <a:t>testnet</a:t>
             </a:r>
             <a:r>
-              <a:rPr lang="en-US" altLang="zh-CN" sz="2000" dirty="0" smtClean="0"/>
+              <a:rPr lang="en-US" altLang="zh-CN" sz="1800" dirty="0" smtClean="0"/>
               <a:t> </a:t>
             </a:r>
             <a:r>
-              <a:rPr lang="zh-CN" altLang="en-US" sz="2000" dirty="0" smtClean="0"/>
+              <a:rPr lang="zh-CN" altLang="en-US" sz="1800" dirty="0" smtClean="0"/>
               <a:t>节点一般可以</a:t>
             </a:r>
             <a:r>
-              <a:rPr lang="zh-CN" altLang="en-US" sz="2000" dirty="0"/>
+              <a:rPr lang="zh-CN" altLang="en-US" sz="1800" dirty="0"/>
               <a:t>在几个小时内完全同步。</a:t>
             </a:r>
           </a:p>
@@ -7164,31 +7231,31 @@
               </a:lnSpc>
             </a:pPr>
             <a:r>
-              <a:rPr lang="zh-CN" altLang="en-US" sz="2000" dirty="0"/>
+              <a:rPr lang="zh-CN" altLang="en-US" sz="1800" dirty="0"/>
               <a:t>部署合约或进行</a:t>
             </a:r>
             <a:r>
-              <a:rPr lang="zh-CN" altLang="en-US" sz="2000" dirty="0" smtClean="0"/>
+              <a:rPr lang="zh-CN" altLang="en-US" sz="1800" dirty="0" smtClean="0"/>
               <a:t>交易</a:t>
             </a:r>
             <a:r>
-              <a:rPr lang="zh-CN" altLang="en-US" sz="2000" dirty="0"/>
+              <a:rPr lang="zh-CN" altLang="en-US" sz="1800" dirty="0"/>
               <a:t>只需</a:t>
             </a:r>
             <a:r>
-              <a:rPr lang="zh-CN" altLang="en-US" sz="2000" dirty="0" smtClean="0"/>
+              <a:rPr lang="zh-CN" altLang="en-US" sz="1800" dirty="0" smtClean="0"/>
               <a:t>要发送测试</a:t>
             </a:r>
             <a:r>
-              <a:rPr lang="zh-CN" altLang="en-US" sz="2000" dirty="0"/>
+              <a:rPr lang="zh-CN" altLang="en-US" sz="1800" dirty="0"/>
               <a:t>以太</a:t>
             </a:r>
             <a:r>
-              <a:rPr lang="zh-CN" altLang="en-US" sz="2000" dirty="0" smtClean="0"/>
+              <a:rPr lang="zh-CN" altLang="en-US" sz="1800" dirty="0" smtClean="0"/>
               <a:t>，可以从“水龙头”</a:t>
             </a:r>
             <a:r>
-              <a:rPr lang="zh-CN" altLang="en-US" sz="2000" dirty="0"/>
+              <a:rPr lang="zh-CN" altLang="en-US" sz="1800" dirty="0"/>
               <a:t>免费获得。</a:t>
             </a:r>
           </a:p>
@@ -7199,28 +7266,34 @@
               </a:lnSpc>
             </a:pPr>
             <a:r>
-              <a:rPr lang="zh-CN" altLang="en-US" sz="2000" dirty="0" smtClean="0"/>
+              <a:rPr lang="zh-CN" altLang="en-US" sz="1800" dirty="0" smtClean="0"/>
               <a:t>测试网络是公共区块链，</a:t>
             </a:r>
             <a:r>
-              <a:rPr lang="zh-CN" altLang="en-US" sz="2000" dirty="0"/>
+              <a:rPr lang="zh-CN" altLang="en-US" sz="1800" dirty="0"/>
               <a:t>有许多其他用户和</a:t>
             </a:r>
             <a:r>
-              <a:rPr lang="zh-CN" altLang="en-US" sz="2000" dirty="0" smtClean="0"/>
+              <a:rPr lang="zh-CN" altLang="en-US" sz="1800" dirty="0" smtClean="0"/>
               <a:t>合约运行（区别于私链）。</a:t>
             </a:r>
-            <a:endParaRPr lang="zh-CN" altLang="en-US" sz="2000" dirty="0"/>
+            <a:endParaRPr lang="zh-CN" altLang="en-US" sz="1800" dirty="0"/>
           </a:p>
           <a:p>
             <a:pPr marL="0" indent="0">
               <a:lnSpc>
                 <a:spcPct val="120000"/>
               </a:lnSpc>
+              <a:spcBef>
+                <a:spcPts val="600"/>
+              </a:spcBef>
+              <a:spcAft>
+                <a:spcPts val="600"/>
+              </a:spcAft>
               <a:buNone/>
             </a:pPr>
             <a:r>
-              <a:rPr lang="zh-CN" altLang="en-US" sz="2000" b="1" dirty="0" smtClean="0"/>
+              <a:rPr lang="zh-CN" altLang="en-US" sz="2000" b="1" dirty="0"/>
               <a:t>      缺点</a:t>
             </a:r>
             <a:endParaRPr lang="zh-CN" altLang="en-US" sz="2000" b="1" dirty="0"/>
@@ -7232,23 +7305,23 @@
               </a:lnSpc>
             </a:pPr>
             <a:r>
-              <a:rPr lang="zh-CN" altLang="en-US" sz="2000" dirty="0"/>
+              <a:rPr lang="zh-CN" altLang="en-US" sz="1800" dirty="0"/>
               <a:t>测试</a:t>
             </a:r>
             <a:r>
-              <a:rPr lang="zh-CN" altLang="en-US" sz="2000" dirty="0" smtClean="0"/>
+              <a:rPr lang="zh-CN" altLang="en-US" sz="1800" dirty="0" smtClean="0"/>
               <a:t>网络上使用测试以太，它没有价值。因此，无法测试</a:t>
             </a:r>
             <a:r>
-              <a:rPr lang="zh-CN" altLang="en-US" sz="2000" dirty="0"/>
+              <a:rPr lang="zh-CN" altLang="en-US" sz="1800" dirty="0"/>
               <a:t>交易</a:t>
             </a:r>
             <a:r>
-              <a:rPr lang="zh-CN" altLang="en-US" sz="2000" dirty="0" smtClean="0"/>
+              <a:rPr lang="zh-CN" altLang="en-US" sz="1800" dirty="0" smtClean="0"/>
               <a:t>对手</a:t>
             </a:r>
             <a:r>
-              <a:rPr lang="zh-CN" altLang="en-US" sz="2000" dirty="0"/>
+              <a:rPr lang="zh-CN" altLang="en-US" sz="1800" dirty="0"/>
               <a:t>的安全性，因为没有任何利害关系。</a:t>
             </a:r>
           </a:p>
@@ -7259,50 +7332,50 @@
               </a:lnSpc>
             </a:pPr>
             <a:r>
-              <a:rPr lang="zh-CN" altLang="en-US" sz="2000" dirty="0" smtClean="0"/>
+              <a:rPr lang="zh-CN" altLang="en-US" sz="1800" dirty="0" smtClean="0"/>
               <a:t>测试网络上的测试无法涵盖所有的真实主网特性。</a:t>
             </a:r>
             <a:r>
-              <a:rPr lang="zh-CN" altLang="en-US" sz="2000" dirty="0"/>
+              <a:rPr lang="zh-CN" altLang="en-US" sz="1800" dirty="0"/>
               <a:t>例如，交易费用虽然是发送交易所必需的，但由于</a:t>
             </a:r>
             <a:r>
-              <a:rPr lang="en-US" altLang="zh-CN" sz="2000" dirty="0" smtClean="0"/>
+              <a:rPr lang="en-US" altLang="zh-CN" sz="1800" dirty="0" smtClean="0"/>
               <a:t>gas</a:t>
             </a:r>
             <a:r>
-              <a:rPr lang="zh-CN" altLang="en-US" sz="2000" dirty="0" smtClean="0"/>
+              <a:rPr lang="zh-CN" altLang="en-US" sz="1800" dirty="0" smtClean="0"/>
               <a:t>免费，因此 </a:t>
             </a:r>
             <a:r>
-              <a:rPr lang="en-US" altLang="zh-CN" sz="2000" dirty="0" err="1" smtClean="0"/>
+              <a:rPr lang="en-US" altLang="zh-CN" sz="1800" dirty="0" err="1" smtClean="0"/>
               <a:t>testnet</a:t>
             </a:r>
             <a:r>
-              <a:rPr lang="en-US" altLang="zh-CN" sz="2000" dirty="0" smtClean="0"/>
+              <a:rPr lang="en-US" altLang="zh-CN" sz="1800" dirty="0" smtClean="0"/>
               <a:t> </a:t>
             </a:r>
             <a:r>
-              <a:rPr lang="zh-CN" altLang="en-US" sz="2000" dirty="0" smtClean="0"/>
+              <a:rPr lang="zh-CN" altLang="en-US" sz="1800" dirty="0" smtClean="0"/>
               <a:t>上往往不会考虑。而且一般来说，测试</a:t>
             </a:r>
             <a:r>
-              <a:rPr lang="zh-CN" altLang="en-US" sz="2000" dirty="0"/>
+              <a:rPr lang="zh-CN" altLang="en-US" sz="1800" dirty="0"/>
               <a:t>网络不会</a:t>
             </a:r>
             <a:r>
-              <a:rPr lang="zh-CN" altLang="en-US" sz="2000" dirty="0" smtClean="0"/>
+              <a:rPr lang="zh-CN" altLang="en-US" sz="1800" dirty="0" smtClean="0"/>
               <a:t>像</a:t>
             </a:r>
             <a:r>
-              <a:rPr lang="zh-CN" altLang="en-US" sz="2000" dirty="0"/>
+              <a:rPr lang="zh-CN" altLang="en-US" sz="1800" dirty="0"/>
               <a:t>主</a:t>
             </a:r>
             <a:r>
-              <a:rPr lang="zh-CN" altLang="en-US" sz="2000" dirty="0" smtClean="0"/>
+              <a:rPr lang="zh-CN" altLang="en-US" sz="1800" dirty="0" smtClean="0"/>
               <a:t>网那样经常拥堵。</a:t>
             </a:r>
-            <a:endParaRPr lang="zh-CN" altLang="en-US" sz="2000" dirty="0"/>
+            <a:endParaRPr lang="zh-CN" altLang="en-US" sz="1800" dirty="0"/>
           </a:p>
         </p:txBody>
       </p:sp>
@@ -7353,7 +7426,12 @@
             <p:ph type="title"/>
           </p:nvPr>
         </p:nvSpPr>
-        <p:spPr/>
+        <p:spPr>
+          <a:xfrm>
+            <a:off x="457200" y="485800"/>
+            <a:ext cx="8229600" cy="1143000"/>
+          </a:xfrm>
+        </p:spPr>
         <p:txBody>
           <a:bodyPr>
             <a:normAutofit/>
@@ -7362,13 +7440,13 @@
           <a:p>
             <a:pPr indent="457200" algn="l"/>
             <a:r>
-              <a:rPr lang="zh-CN" altLang="en-US" dirty="0" smtClean="0">
+              <a:rPr lang="zh-CN" altLang="en-US" sz="3600" dirty="0" smtClean="0">
                 <a:latin typeface="微软雅黑 Light" pitchFamily="34" charset="-122"/>
                 <a:ea typeface="微软雅黑 Light" pitchFamily="34" charset="-122"/>
               </a:rPr>
               <a:t>本地私链的优缺点</a:t>
             </a:r>
-            <a:endParaRPr lang="zh-CN" altLang="en-US" dirty="0">
+            <a:endParaRPr lang="zh-CN" altLang="en-US" sz="3600" dirty="0">
               <a:latin typeface="微软雅黑 Light" pitchFamily="34" charset="-122"/>
               <a:ea typeface="微软雅黑 Light" pitchFamily="34" charset="-122"/>
             </a:endParaRPr>
@@ -7388,7 +7466,7 @@
         <p:spPr>
           <a:xfrm>
             <a:off x="755576" y="1412776"/>
-            <a:ext cx="7920880" cy="5112568"/>
+            <a:ext cx="7920880" cy="4680520"/>
           </a:xfrm>
         </p:spPr>
         <p:txBody>
@@ -7401,10 +7479,16 @@
               <a:lnSpc>
                 <a:spcPct val="120000"/>
               </a:lnSpc>
+              <a:spcBef>
+                <a:spcPts val="600"/>
+              </a:spcBef>
+              <a:spcAft>
+                <a:spcPts val="600"/>
+              </a:spcAft>
               <a:buNone/>
             </a:pPr>
             <a:r>
-              <a:rPr lang="zh-CN" altLang="en-US" sz="2000" b="1" dirty="0" smtClean="0"/>
+              <a:rPr lang="zh-CN" altLang="en-US" sz="2000" b="1" dirty="0"/>
               <a:t>      优点</a:t>
             </a:r>
             <a:endParaRPr lang="zh-CN" altLang="en-US" sz="2000" b="1" dirty="0"/>
@@ -7416,30 +7500,30 @@
               </a:lnSpc>
             </a:pPr>
             <a:r>
-              <a:rPr lang="zh-CN" altLang="en-US" sz="2000" dirty="0"/>
+              <a:rPr lang="zh-CN" altLang="en-US" sz="1800" dirty="0"/>
               <a:t>磁盘</a:t>
             </a:r>
             <a:r>
-              <a:rPr lang="zh-CN" altLang="en-US" sz="2000" dirty="0" smtClean="0"/>
+              <a:rPr lang="zh-CN" altLang="en-US" sz="1800" dirty="0" smtClean="0"/>
               <a:t>上几乎</a:t>
             </a:r>
             <a:r>
-              <a:rPr lang="zh-CN" altLang="en-US" sz="2000" dirty="0"/>
+              <a:rPr lang="zh-CN" altLang="en-US" sz="1800" dirty="0"/>
               <a:t>没有</a:t>
             </a:r>
             <a:r>
-              <a:rPr lang="zh-CN" altLang="en-US" sz="2000" dirty="0" smtClean="0"/>
+              <a:rPr lang="zh-CN" altLang="en-US" sz="1800" dirty="0" smtClean="0"/>
               <a:t>数据，也不同步别的数据，是</a:t>
             </a:r>
             <a:r>
-              <a:rPr lang="zh-CN" altLang="en-US" sz="2000" dirty="0"/>
+              <a:rPr lang="zh-CN" altLang="en-US" sz="1800" dirty="0"/>
               <a:t>一</a:t>
             </a:r>
             <a:r>
-              <a:rPr lang="zh-CN" altLang="en-US" sz="2000" dirty="0" smtClean="0"/>
+              <a:rPr lang="zh-CN" altLang="en-US" sz="1800" dirty="0" smtClean="0"/>
               <a:t>个完全“干净”的环境。</a:t>
             </a:r>
-            <a:endParaRPr lang="zh-CN" altLang="en-US" sz="2000" dirty="0"/>
+            <a:endParaRPr lang="zh-CN" altLang="en-US" sz="1800" dirty="0"/>
           </a:p>
           <a:p>
             <a:pPr>
@@ -7448,14 +7532,14 @@
               </a:lnSpc>
             </a:pPr>
             <a:r>
-              <a:rPr lang="zh-CN" altLang="en-US" sz="2000" dirty="0"/>
+              <a:rPr lang="zh-CN" altLang="en-US" sz="1800" dirty="0"/>
               <a:t>无需获取测试以太</a:t>
             </a:r>
             <a:r>
-              <a:rPr lang="zh-CN" altLang="en-US" sz="2000" dirty="0" smtClean="0"/>
+              <a:rPr lang="zh-CN" altLang="en-US" sz="1800" dirty="0" smtClean="0"/>
               <a:t>，你可以任意分配以太，也可以随时自己挖矿获得。</a:t>
             </a:r>
-            <a:endParaRPr lang="zh-CN" altLang="en-US" sz="2000" dirty="0"/>
+            <a:endParaRPr lang="zh-CN" altLang="en-US" sz="1800" dirty="0"/>
           </a:p>
           <a:p>
             <a:pPr>
@@ -7464,32 +7548,38 @@
               </a:lnSpc>
             </a:pPr>
             <a:r>
-              <a:rPr lang="zh-CN" altLang="en-US" sz="2000" dirty="0"/>
+              <a:rPr lang="zh-CN" altLang="en-US" sz="1800" dirty="0"/>
               <a:t>没有其他用户</a:t>
             </a:r>
             <a:r>
-              <a:rPr lang="zh-CN" altLang="en-US" sz="2000" dirty="0" smtClean="0"/>
+              <a:rPr lang="zh-CN" altLang="en-US" sz="1800" dirty="0" smtClean="0"/>
               <a:t>，也没有</a:t>
             </a:r>
             <a:r>
-              <a:rPr lang="zh-CN" altLang="en-US" sz="2000" dirty="0"/>
+              <a:rPr lang="zh-CN" altLang="en-US" sz="1800" dirty="0"/>
               <a:t>其他合约</a:t>
             </a:r>
             <a:r>
-              <a:rPr lang="zh-CN" altLang="en-US" sz="2000" dirty="0" smtClean="0"/>
+              <a:rPr lang="zh-CN" altLang="en-US" sz="1800" dirty="0" smtClean="0"/>
               <a:t>，没有任何外部干扰。</a:t>
             </a:r>
-            <a:endParaRPr lang="zh-CN" altLang="en-US" sz="2000" dirty="0"/>
+            <a:endParaRPr lang="zh-CN" altLang="en-US" sz="1800" dirty="0"/>
           </a:p>
           <a:p>
             <a:pPr marL="0" indent="0">
               <a:lnSpc>
                 <a:spcPct val="120000"/>
               </a:lnSpc>
+              <a:spcBef>
+                <a:spcPts val="600"/>
+              </a:spcBef>
+              <a:spcAft>
+                <a:spcPts val="600"/>
+              </a:spcAft>
               <a:buNone/>
             </a:pPr>
             <a:r>
-              <a:rPr lang="zh-CN" altLang="en-US" sz="2000" b="1" dirty="0" smtClean="0"/>
+              <a:rPr lang="zh-CN" altLang="en-US" sz="2000" b="1" dirty="0"/>
               <a:t>      缺点</a:t>
             </a:r>
             <a:endParaRPr lang="zh-CN" altLang="en-US" sz="2000" b="1" dirty="0"/>
@@ -7501,39 +7591,39 @@
               </a:lnSpc>
             </a:pPr>
             <a:r>
-              <a:rPr lang="zh-CN" altLang="en-US" sz="2000" dirty="0"/>
+              <a:rPr lang="zh-CN" altLang="en-US" sz="1800" dirty="0"/>
               <a:t>没有其他用户</a:t>
             </a:r>
             <a:r>
-              <a:rPr lang="zh-CN" altLang="en-US" sz="2000" dirty="0" smtClean="0"/>
+              <a:rPr lang="zh-CN" altLang="en-US" sz="1800" dirty="0" smtClean="0"/>
               <a:t>意味与公链的</a:t>
             </a:r>
             <a:r>
-              <a:rPr lang="zh-CN" altLang="en-US" sz="2000" dirty="0"/>
+              <a:rPr lang="zh-CN" altLang="en-US" sz="1800" dirty="0"/>
               <a:t>行为不同</a:t>
             </a:r>
             <a:r>
-              <a:rPr lang="zh-CN" altLang="en-US" sz="2000" dirty="0" smtClean="0"/>
+              <a:rPr lang="zh-CN" altLang="en-US" sz="1800" dirty="0" smtClean="0"/>
               <a:t>。发送的交易并不存在空间</a:t>
             </a:r>
             <a:r>
-              <a:rPr lang="zh-CN" altLang="en-US" sz="2000" dirty="0"/>
+              <a:rPr lang="zh-CN" altLang="en-US" sz="1800" dirty="0"/>
               <a:t>或交易</a:t>
             </a:r>
             <a:r>
-              <a:rPr lang="zh-CN" altLang="en-US" sz="2000" dirty="0" smtClean="0"/>
+              <a:rPr lang="zh-CN" altLang="en-US" sz="1800" dirty="0" smtClean="0"/>
               <a:t>顺序</a:t>
             </a:r>
             <a:r>
-              <a:rPr lang="zh-CN" altLang="en-US" sz="2000" dirty="0"/>
+              <a:rPr lang="zh-CN" altLang="en-US" sz="1800" dirty="0"/>
               <a:t>的</a:t>
             </a:r>
             <a:r>
-              <a:rPr lang="zh-CN" altLang="en-US" sz="2000" dirty="0" smtClean="0"/>
+              <a:rPr lang="zh-CN" altLang="en-US" sz="1800" dirty="0" smtClean="0"/>
               <a:t>竞争</a:t>
             </a:r>
             <a:r>
-              <a:rPr lang="zh-CN" altLang="en-US" sz="2000" dirty="0"/>
+              <a:rPr lang="zh-CN" altLang="en-US" sz="1800" dirty="0"/>
               <a:t>。</a:t>
             </a:r>
           </a:p>
@@ -7544,27 +7634,27 @@
               </a:lnSpc>
             </a:pPr>
             <a:r>
-              <a:rPr lang="zh-CN" altLang="en-US" sz="2000" dirty="0" smtClean="0"/>
+              <a:rPr lang="zh-CN" altLang="en-US" sz="1800" dirty="0" smtClean="0"/>
               <a:t>除自己之外</a:t>
             </a:r>
             <a:r>
-              <a:rPr lang="zh-CN" altLang="en-US" sz="2000" dirty="0"/>
+              <a:rPr lang="zh-CN" altLang="en-US" sz="1800" dirty="0"/>
               <a:t>没有矿工意味着</a:t>
             </a:r>
             <a:r>
-              <a:rPr lang="zh-CN" altLang="en-US" sz="2000" dirty="0" smtClean="0"/>
+              <a:rPr lang="zh-CN" altLang="en-US" sz="1800" dirty="0" smtClean="0"/>
               <a:t>挖矿更</a:t>
             </a:r>
             <a:r>
-              <a:rPr lang="zh-CN" altLang="en-US" sz="2000" dirty="0"/>
+              <a:rPr lang="zh-CN" altLang="en-US" sz="1800" dirty="0"/>
               <a:t>容易预测，</a:t>
             </a:r>
             <a:r>
-              <a:rPr lang="zh-CN" altLang="en-US" sz="2000" dirty="0" smtClean="0"/>
+              <a:rPr lang="zh-CN" altLang="en-US" sz="1800" dirty="0" smtClean="0"/>
               <a:t>因此无法测试公链</a:t>
             </a:r>
             <a:r>
-              <a:rPr lang="zh-CN" altLang="en-US" sz="2000" dirty="0"/>
+              <a:rPr lang="zh-CN" altLang="en-US" sz="1800" dirty="0"/>
               <a:t>上发生的某些情况。</a:t>
             </a:r>
           </a:p>
@@ -7575,30 +7665,30 @@
               </a:lnSpc>
             </a:pPr>
             <a:r>
-              <a:rPr lang="zh-CN" altLang="en-US" sz="2000" dirty="0"/>
+              <a:rPr lang="zh-CN" altLang="en-US" sz="1800" dirty="0"/>
               <a:t>没有其他</a:t>
             </a:r>
             <a:r>
-              <a:rPr lang="zh-CN" altLang="en-US" sz="2000" dirty="0" smtClean="0"/>
+              <a:rPr lang="zh-CN" altLang="en-US" sz="1800" dirty="0" smtClean="0"/>
               <a:t>合约，意味着你必须</a:t>
             </a:r>
             <a:r>
-              <a:rPr lang="zh-CN" altLang="en-US" sz="2000" dirty="0"/>
+              <a:rPr lang="zh-CN" altLang="en-US" sz="1800" dirty="0"/>
               <a:t>部署要测试的所有内容，</a:t>
             </a:r>
             <a:r>
-              <a:rPr lang="zh-CN" altLang="en-US" sz="2000" dirty="0" smtClean="0"/>
+              <a:rPr lang="zh-CN" altLang="en-US" sz="1800" dirty="0" smtClean="0"/>
               <a:t>包括所有的依赖</a:t>
             </a:r>
             <a:r>
-              <a:rPr lang="zh-CN" altLang="en-US" sz="2000" dirty="0"/>
+              <a:rPr lang="zh-CN" altLang="en-US" sz="1800" dirty="0"/>
               <a:t>项和合约库</a:t>
             </a:r>
             <a:r>
-              <a:rPr lang="zh-CN" altLang="en-US" sz="2000" dirty="0" smtClean="0"/>
+              <a:rPr lang="zh-CN" altLang="en-US" sz="1800" dirty="0" smtClean="0"/>
               <a:t>。</a:t>
             </a:r>
-            <a:endParaRPr lang="zh-CN" altLang="en-US" sz="2000" dirty="0"/>
+            <a:endParaRPr lang="zh-CN" altLang="en-US" sz="1800" dirty="0"/>
           </a:p>
         </p:txBody>
       </p:sp>
